--- a/E-Guard.pptx
+++ b/E-Guard.pptx
@@ -107,6 +107,11 @@
       </a:defRPr>
     </a:lvl9pPr>
   </p:defaultTextStyle>
+  <p:extLst>
+    <p:ext uri="{EFAFB233-063F-42B5-8137-9DF3F51BA10A}">
+      <p15:sldGuideLst xmlns:p15="http://schemas.microsoft.com/office/powerpoint/2012/main"/>
+    </p:ext>
+  </p:extLst>
 </p:presentation>
 </file>
 
@@ -192,7 +197,7 @@
           <a:p>
             <a:fld id="{33685358-873C-40F9-B366-DFC3815DAB7E}" type="datetimeFigureOut">
               <a:rPr lang="en-US" smtClean="0"/>
-              <a:t>4/11/2016</a:t>
+              <a:t>4/8/17</a:t>
             </a:fld>
             <a:endParaRPr lang="en-US"/>
           </a:p>
@@ -287,7 +292,6 @@
               <a:rPr lang="en-US"/>
               <a:t>Fifth level</a:t>
             </a:r>
-            <a:endParaRPr lang="en-US"/>
           </a:p>
         </p:txBody>
       </p:sp>
@@ -628,7 +632,7 @@
         <p:nvSpPr>
           <p:cNvPr id="69635" name="Rectangle 2"/>
           <p:cNvSpPr>
-            <a:spLocks noRot="1" noChangeArrowheads="1" noTextEdit="1"/>
+            <a:spLocks noGrp="1" noRot="1" noChangeAspect="1" noChangeArrowheads="1" noTextEdit="1"/>
           </p:cNvSpPr>
           <p:nvPr>
             <p:ph type="sldImg"/>
@@ -720,7 +724,6 @@
               <a:rPr lang="en-US"/>
               <a:t>Click to edit Master title style</a:t>
             </a:r>
-            <a:endParaRPr lang="en-US"/>
           </a:p>
         </p:txBody>
       </p:sp>
@@ -785,7 +788,6 @@
               <a:rPr lang="en-US"/>
               <a:t>Click to edit Master subtitle style</a:t>
             </a:r>
-            <a:endParaRPr lang="en-US"/>
           </a:p>
         </p:txBody>
       </p:sp>
@@ -806,7 +808,7 @@
           <a:p>
             <a:fld id="{4BAADEF2-D083-4DB2-80BA-A63091B8530E}" type="datetimeFigureOut">
               <a:rPr lang="en-US" smtClean="0"/>
-              <a:t>4/11/2016</a:t>
+              <a:t>4/8/17</a:t>
             </a:fld>
             <a:endParaRPr lang="en-US"/>
           </a:p>
@@ -903,7 +905,6 @@
               <a:rPr lang="en-US"/>
               <a:t>Click to edit Master title style</a:t>
             </a:r>
-            <a:endParaRPr lang="en-US"/>
           </a:p>
         </p:txBody>
       </p:sp>
@@ -955,7 +956,6 @@
               <a:rPr lang="en-US"/>
               <a:t>Fifth level</a:t>
             </a:r>
-            <a:endParaRPr lang="en-US"/>
           </a:p>
         </p:txBody>
       </p:sp>
@@ -976,7 +976,7 @@
           <a:p>
             <a:fld id="{4BAADEF2-D083-4DB2-80BA-A63091B8530E}" type="datetimeFigureOut">
               <a:rPr lang="en-US" smtClean="0"/>
-              <a:t>4/11/2016</a:t>
+              <a:t>4/8/17</a:t>
             </a:fld>
             <a:endParaRPr lang="en-US"/>
           </a:p>
@@ -1078,7 +1078,6 @@
               <a:rPr lang="en-US"/>
               <a:t>Click to edit Master title style</a:t>
             </a:r>
-            <a:endParaRPr lang="en-US"/>
           </a:p>
         </p:txBody>
       </p:sp>
@@ -1135,7 +1134,6 @@
               <a:rPr lang="en-US"/>
               <a:t>Fifth level</a:t>
             </a:r>
-            <a:endParaRPr lang="en-US"/>
           </a:p>
         </p:txBody>
       </p:sp>
@@ -1156,7 +1154,7 @@
           <a:p>
             <a:fld id="{4BAADEF2-D083-4DB2-80BA-A63091B8530E}" type="datetimeFigureOut">
               <a:rPr lang="en-US" smtClean="0"/>
-              <a:t>4/11/2016</a:t>
+              <a:t>4/8/17</a:t>
             </a:fld>
             <a:endParaRPr lang="en-US"/>
           </a:p>
@@ -1421,7 +1419,6 @@
               <a:rPr lang="en-US"/>
               <a:t>Click to edit Master title style</a:t>
             </a:r>
-            <a:endParaRPr lang="en-US"/>
           </a:p>
         </p:txBody>
       </p:sp>
@@ -1473,7 +1470,6 @@
               <a:rPr lang="en-US"/>
               <a:t>Fifth level</a:t>
             </a:r>
-            <a:endParaRPr lang="en-US"/>
           </a:p>
         </p:txBody>
       </p:sp>
@@ -1494,7 +1490,7 @@
           <a:p>
             <a:fld id="{4BAADEF2-D083-4DB2-80BA-A63091B8530E}" type="datetimeFigureOut">
               <a:rPr lang="en-US" smtClean="0"/>
-              <a:t>4/11/2016</a:t>
+              <a:t>4/8/17</a:t>
             </a:fld>
             <a:endParaRPr lang="en-US"/>
           </a:p>
@@ -1600,7 +1596,6 @@
               <a:rPr lang="en-US"/>
               <a:t>Click to edit Master title style</a:t>
             </a:r>
-            <a:endParaRPr lang="en-US"/>
           </a:p>
         </p:txBody>
       </p:sp>
@@ -1740,7 +1735,7 @@
           <a:p>
             <a:fld id="{4BAADEF2-D083-4DB2-80BA-A63091B8530E}" type="datetimeFigureOut">
               <a:rPr lang="en-US" smtClean="0"/>
-              <a:t>4/11/2016</a:t>
+              <a:t>4/8/17</a:t>
             </a:fld>
             <a:endParaRPr lang="en-US"/>
           </a:p>
@@ -1837,7 +1832,6 @@
               <a:rPr lang="en-US"/>
               <a:t>Click to edit Master title style</a:t>
             </a:r>
-            <a:endParaRPr lang="en-US"/>
           </a:p>
         </p:txBody>
       </p:sp>
@@ -1894,7 +1888,6 @@
               <a:rPr lang="en-US"/>
               <a:t>Fifth level</a:t>
             </a:r>
-            <a:endParaRPr lang="en-US"/>
           </a:p>
         </p:txBody>
       </p:sp>
@@ -1951,7 +1944,6 @@
               <a:rPr lang="en-US"/>
               <a:t>Fifth level</a:t>
             </a:r>
-            <a:endParaRPr lang="en-US"/>
           </a:p>
         </p:txBody>
       </p:sp>
@@ -1972,7 +1964,7 @@
           <a:p>
             <a:fld id="{4BAADEF2-D083-4DB2-80BA-A63091B8530E}" type="datetimeFigureOut">
               <a:rPr lang="en-US" smtClean="0"/>
-              <a:t>4/11/2016</a:t>
+              <a:t>4/8/17</a:t>
             </a:fld>
             <a:endParaRPr lang="en-US"/>
           </a:p>
@@ -2074,7 +2066,6 @@
               <a:rPr lang="en-US"/>
               <a:t>Click to edit Master title style</a:t>
             </a:r>
-            <a:endParaRPr lang="en-US"/>
           </a:p>
         </p:txBody>
       </p:sp>
@@ -2196,7 +2187,6 @@
               <a:rPr lang="en-US"/>
               <a:t>Fifth level</a:t>
             </a:r>
-            <a:endParaRPr lang="en-US"/>
           </a:p>
         </p:txBody>
       </p:sp>
@@ -2318,7 +2308,6 @@
               <a:rPr lang="en-US"/>
               <a:t>Fifth level</a:t>
             </a:r>
-            <a:endParaRPr lang="en-US"/>
           </a:p>
         </p:txBody>
       </p:sp>
@@ -2339,7 +2328,7 @@
           <a:p>
             <a:fld id="{4BAADEF2-D083-4DB2-80BA-A63091B8530E}" type="datetimeFigureOut">
               <a:rPr lang="en-US" smtClean="0"/>
-              <a:t>4/11/2016</a:t>
+              <a:t>4/8/17</a:t>
             </a:fld>
             <a:endParaRPr lang="en-US"/>
           </a:p>
@@ -2436,7 +2425,6 @@
               <a:rPr lang="en-US"/>
               <a:t>Click to edit Master title style</a:t>
             </a:r>
-            <a:endParaRPr lang="en-US"/>
           </a:p>
         </p:txBody>
       </p:sp>
@@ -2457,7 +2445,7 @@
           <a:p>
             <a:fld id="{4BAADEF2-D083-4DB2-80BA-A63091B8530E}" type="datetimeFigureOut">
               <a:rPr lang="en-US" smtClean="0"/>
-              <a:t>4/11/2016</a:t>
+              <a:t>4/8/17</a:t>
             </a:fld>
             <a:endParaRPr lang="en-US"/>
           </a:p>
@@ -2552,7 +2540,7 @@
           <a:p>
             <a:fld id="{4BAADEF2-D083-4DB2-80BA-A63091B8530E}" type="datetimeFigureOut">
               <a:rPr lang="en-US" smtClean="0"/>
-              <a:t>4/11/2016</a:t>
+              <a:t>4/8/17</a:t>
             </a:fld>
             <a:endParaRPr lang="en-US"/>
           </a:p>
@@ -2658,7 +2646,6 @@
               <a:rPr lang="en-US"/>
               <a:t>Click to edit Master title style</a:t>
             </a:r>
-            <a:endParaRPr lang="en-US"/>
           </a:p>
         </p:txBody>
       </p:sp>
@@ -2743,7 +2730,6 @@
               <a:rPr lang="en-US"/>
               <a:t>Fifth level</a:t>
             </a:r>
-            <a:endParaRPr lang="en-US"/>
           </a:p>
         </p:txBody>
       </p:sp>
@@ -2829,7 +2815,7 @@
           <a:p>
             <a:fld id="{4BAADEF2-D083-4DB2-80BA-A63091B8530E}" type="datetimeFigureOut">
               <a:rPr lang="en-US" smtClean="0"/>
-              <a:t>4/11/2016</a:t>
+              <a:t>4/8/17</a:t>
             </a:fld>
             <a:endParaRPr lang="en-US"/>
           </a:p>
@@ -2935,7 +2921,6 @@
               <a:rPr lang="en-US"/>
               <a:t>Click to edit Master title style</a:t>
             </a:r>
-            <a:endParaRPr lang="en-US"/>
           </a:p>
         </p:txBody>
       </p:sp>
@@ -3082,7 +3067,7 @@
           <a:p>
             <a:fld id="{4BAADEF2-D083-4DB2-80BA-A63091B8530E}" type="datetimeFigureOut">
               <a:rPr lang="en-US" smtClean="0"/>
-              <a:t>4/11/2016</a:t>
+              <a:t>4/8/17</a:t>
             </a:fld>
             <a:endParaRPr lang="en-US"/>
           </a:p>
@@ -3194,7 +3179,6 @@
               <a:rPr lang="en-US"/>
               <a:t>Click to edit Master title style</a:t>
             </a:r>
-            <a:endParaRPr lang="en-US"/>
           </a:p>
         </p:txBody>
       </p:sp>
@@ -3256,7 +3240,6 @@
               <a:rPr lang="en-US"/>
               <a:t>Fifth level</a:t>
             </a:r>
-            <a:endParaRPr lang="en-US"/>
           </a:p>
         </p:txBody>
       </p:sp>
@@ -3295,7 +3278,7 @@
           <a:p>
             <a:fld id="{4BAADEF2-D083-4DB2-80BA-A63091B8530E}" type="datetimeFigureOut">
               <a:rPr lang="en-US" smtClean="0"/>
-              <a:t>4/11/2016</a:t>
+              <a:t>4/8/17</a:t>
             </a:fld>
             <a:endParaRPr lang="en-US"/>
           </a:p>
@@ -3916,35 +3899,35 @@
                 <a:gridCol w="1295400">
                   <a:extLst>
                     <a:ext uri="{9D8B030D-6E8A-4147-A177-3AD203B41FA5}">
-                      <a16:colId xmlns:a16="http://schemas.microsoft.com/office/drawing/2014/main" val="20000"/>
+                      <a16:colId xmlns:a16="http://schemas.microsoft.com/office/drawing/2014/main" xmlns="" val="20000"/>
                     </a:ext>
                   </a:extLst>
                 </a:gridCol>
                 <a:gridCol w="1066800">
                   <a:extLst>
                     <a:ext uri="{9D8B030D-6E8A-4147-A177-3AD203B41FA5}">
-                      <a16:colId xmlns:a16="http://schemas.microsoft.com/office/drawing/2014/main" val="20001"/>
+                      <a16:colId xmlns:a16="http://schemas.microsoft.com/office/drawing/2014/main" xmlns="" val="20001"/>
                     </a:ext>
                   </a:extLst>
                 </a:gridCol>
                 <a:gridCol w="1905000">
                   <a:extLst>
                     <a:ext uri="{9D8B030D-6E8A-4147-A177-3AD203B41FA5}">
-                      <a16:colId xmlns:a16="http://schemas.microsoft.com/office/drawing/2014/main" val="20002"/>
+                      <a16:colId xmlns:a16="http://schemas.microsoft.com/office/drawing/2014/main" xmlns="" val="20002"/>
                     </a:ext>
                   </a:extLst>
                 </a:gridCol>
                 <a:gridCol w="1828800">
                   <a:extLst>
                     <a:ext uri="{9D8B030D-6E8A-4147-A177-3AD203B41FA5}">
-                      <a16:colId xmlns:a16="http://schemas.microsoft.com/office/drawing/2014/main" val="20003"/>
+                      <a16:colId xmlns:a16="http://schemas.microsoft.com/office/drawing/2014/main" xmlns="" val="20003"/>
                     </a:ext>
                   </a:extLst>
                 </a:gridCol>
                 <a:gridCol w="2133600">
                   <a:extLst>
                     <a:ext uri="{9D8B030D-6E8A-4147-A177-3AD203B41FA5}">
-                      <a16:colId xmlns:a16="http://schemas.microsoft.com/office/drawing/2014/main" val="20004"/>
+                      <a16:colId xmlns:a16="http://schemas.microsoft.com/office/drawing/2014/main" xmlns="" val="20004"/>
                     </a:ext>
                   </a:extLst>
                 </a:gridCol>
@@ -4855,7 +4838,7 @@
                 </a:tc>
                 <a:extLst>
                   <a:ext uri="{0D108BD9-81ED-4DB2-BD59-A6C34878D82A}">
-                    <a16:rowId xmlns:a16="http://schemas.microsoft.com/office/drawing/2014/main" val="10000"/>
+                    <a16:rowId xmlns:a16="http://schemas.microsoft.com/office/drawing/2014/main" xmlns="" val="10000"/>
                   </a:ext>
                 </a:extLst>
               </a:tr>
@@ -5807,7 +5790,7 @@
                 </a:tc>
                 <a:extLst>
                   <a:ext uri="{0D108BD9-81ED-4DB2-BD59-A6C34878D82A}">
-                    <a16:rowId xmlns:a16="http://schemas.microsoft.com/office/drawing/2014/main" val="10001"/>
+                    <a16:rowId xmlns:a16="http://schemas.microsoft.com/office/drawing/2014/main" xmlns="" val="10001"/>
                   </a:ext>
                 </a:extLst>
               </a:tr>
@@ -6825,7 +6808,7 @@
                 </a:tc>
                 <a:extLst>
                   <a:ext uri="{0D108BD9-81ED-4DB2-BD59-A6C34878D82A}">
-                    <a16:rowId xmlns:a16="http://schemas.microsoft.com/office/drawing/2014/main" val="10002"/>
+                    <a16:rowId xmlns:a16="http://schemas.microsoft.com/office/drawing/2014/main" xmlns="" val="10002"/>
                   </a:ext>
                 </a:extLst>
               </a:tr>
@@ -8381,7 +8364,7 @@
                 </a:tc>
                 <a:extLst>
                   <a:ext uri="{0D108BD9-81ED-4DB2-BD59-A6C34878D82A}">
-                    <a16:rowId xmlns:a16="http://schemas.microsoft.com/office/drawing/2014/main" val="10003"/>
+                    <a16:rowId xmlns:a16="http://schemas.microsoft.com/office/drawing/2014/main" xmlns="" val="10003"/>
                   </a:ext>
                 </a:extLst>
               </a:tr>
